--- a/slides/python_basics.pptx
+++ b/slides/python_basics.pptx
@@ -118,7 +118,7 @@
   </p:defaultTextStyle>
   <p:extLst>
     <p:ext uri="{EFAFB233-063F-42B5-8137-9DF3F51BA10A}">
-      <p15:sldGuideLst xmlns="" xmlns:p15="http://schemas.microsoft.com/office/powerpoint/2012/main">
+      <p15:sldGuideLst xmlns:p15="http://schemas.microsoft.com/office/powerpoint/2012/main">
         <p15:guide id="1" orient="horz" pos="2160">
           <p15:clr>
             <a:srgbClr val="A4A3A4"/>
@@ -132,7 +132,7 @@
       </p15:sldGuideLst>
     </p:ext>
     <p:ext uri="{2D200454-40CA-4A62-9FC3-DE9A4176ACB9}">
-      <p15:notesGuideLst xmlns="" xmlns:p15="http://schemas.microsoft.com/office/powerpoint/2012/main">
+      <p15:notesGuideLst xmlns:p15="http://schemas.microsoft.com/office/powerpoint/2012/main">
         <p15:guide id="1" orient="horz" pos="3224">
           <p15:clr>
             <a:srgbClr val="A4A3A4"/>
@@ -232,7 +232,7 @@
             <a:fld id="{64881D3B-97AB-4062-B576-CAB89A6798AB}" type="datetimeFigureOut">
               <a:rPr lang="zh-TW" altLang="en-US" smtClean="0"/>
               <a:pPr/>
-              <a:t>2014/9/8</a:t>
+              <a:t>2014/9/10</a:t>
             </a:fld>
             <a:endParaRPr lang="zh-TW" altLang="en-US"/>
           </a:p>
@@ -399,7 +399,7 @@
             <a:fld id="{94247CB7-558F-4B5B-8CD1-5FF0A056DFB3}" type="datetimeFigureOut">
               <a:rPr lang="zh-TW" altLang="en-US" smtClean="0"/>
               <a:pPr/>
-              <a:t>2014/9/8</a:t>
+              <a:t>2014/9/10</a:t>
             </a:fld>
             <a:endParaRPr lang="zh-TW" altLang="en-US"/>
           </a:p>
@@ -5893,23 +5893,40 @@
           <a:lstStyle/>
           <a:p>
             <a:r>
-              <a:rPr lang="en-US" altLang="zh-TW" dirty="0" err="1"/>
-              <a:t>MSLab</a:t>
-            </a:r>
-            <a:r>
-              <a:rPr lang="en-US" altLang="zh-TW" dirty="0"/>
-              <a:t> </a:t>
-            </a:r>
-            <a:r>
-              <a:rPr lang="en-US" altLang="zh-TW" dirty="0" smtClean="0"/>
-              <a:t> Wei-Ming</a:t>
-            </a:r>
-            <a:endParaRPr lang="en-US" altLang="zh-TW" dirty="0"/>
-          </a:p>
-          <a:p>
-            <a:r>
-              <a:rPr lang="en-US" altLang="zh-TW" dirty="0"/>
-              <a:t>2014 tutorial</a:t>
+              <a:rPr lang="fr-FR" altLang="zh-TW" dirty="0"/>
+              <a:t>Lecture for ITRI</a:t>
+            </a:r>
+            <a:r>
+              <a:rPr lang="fr-FR" altLang="zh-TW" dirty="0"/>
+              <a:t/>
+            </a:r>
+            <a:br>
+              <a:rPr lang="fr-FR" altLang="zh-TW" dirty="0"/>
+            </a:br>
+            <a:r>
+              <a:rPr lang="fr-FR" altLang="zh-TW" dirty="0"/>
+              <a:t>Shou-De Lin,</a:t>
+            </a:r>
+            <a:r>
+              <a:rPr lang="fr-FR" altLang="zh-TW" dirty="0"/>
+              <a:t/>
+            </a:r>
+            <a:br>
+              <a:rPr lang="fr-FR" altLang="zh-TW" dirty="0"/>
+            </a:br>
+            <a:r>
+              <a:rPr lang="fr-FR" altLang="zh-TW" dirty="0"/>
+              <a:t>CSIE, </a:t>
+            </a:r>
+            <a:r>
+              <a:rPr lang="fr-FR" altLang="zh-TW" dirty="0" smtClean="0"/>
+              <a:t>NTU</a:t>
+            </a:r>
+          </a:p>
+          <a:p>
+            <a:r>
+              <a:rPr lang="fr-FR" altLang="zh-TW" smtClean="0"/>
+              <a:t>TA: Wei-Ming Chen</a:t>
             </a:r>
             <a:endParaRPr lang="zh-TW" altLang="en-US" dirty="0"/>
           </a:p>
@@ -6088,11 +6105,7 @@
           <a:p>
             <a:r>
               <a:rPr lang="en-US" altLang="zh-TW" dirty="0" smtClean="0"/>
-              <a:t>R</a:t>
-            </a:r>
-            <a:r>
-              <a:rPr lang="en-US" altLang="zh-TW" dirty="0" smtClean="0"/>
-              <a:t>unning</a:t>
+              <a:t>Running</a:t>
             </a:r>
             <a:endParaRPr lang="zh-TW" altLang="en-US" dirty="0"/>
           </a:p>
@@ -6436,66 +6449,52 @@
                 <a:latin typeface="Consolas" pitchFamily="49" charset="0"/>
                 <a:cs typeface="Consolas" pitchFamily="49" charset="0"/>
               </a:rPr>
-              <a:t> == ‘123</a:t>
+              <a:t> == ‘123’:</a:t>
+            </a:r>
+          </a:p>
+          <a:p>
+            <a:pPr marL="457200" lvl="1" indent="0">
+              <a:buNone/>
+            </a:pPr>
+            <a:r>
+              <a:rPr lang="en-US" altLang="zh-TW" sz="2400" dirty="0" smtClean="0">
+                <a:latin typeface="Consolas" pitchFamily="49" charset="0"/>
+                <a:cs typeface="Consolas" pitchFamily="49" charset="0"/>
+              </a:rPr>
+              <a:t>do something</a:t>
+            </a:r>
+          </a:p>
+          <a:p>
+            <a:pPr marL="0" indent="0">
+              <a:buNone/>
+            </a:pPr>
+            <a:r>
+              <a:rPr lang="en-US" altLang="zh-TW" sz="2800" dirty="0" err="1" smtClean="0">
+                <a:latin typeface="Consolas" pitchFamily="49" charset="0"/>
+                <a:cs typeface="Consolas" pitchFamily="49" charset="0"/>
+              </a:rPr>
+              <a:t>elif</a:t>
             </a:r>
             <a:r>
               <a:rPr lang="en-US" altLang="zh-TW" sz="2800" dirty="0" smtClean="0">
                 <a:latin typeface="Consolas" pitchFamily="49" charset="0"/>
                 <a:cs typeface="Consolas" pitchFamily="49" charset="0"/>
               </a:rPr>
-              <a:t>’:</a:t>
-            </a:r>
-          </a:p>
-          <a:p>
-            <a:pPr marL="457200" lvl="1" indent="0">
-              <a:buNone/>
-            </a:pPr>
-            <a:r>
-              <a:rPr lang="en-US" altLang="zh-TW" sz="2400" dirty="0" smtClean="0">
-                <a:latin typeface="Consolas" pitchFamily="49" charset="0"/>
-                <a:cs typeface="Consolas" pitchFamily="49" charset="0"/>
-              </a:rPr>
-              <a:t>do something</a:t>
-            </a:r>
-          </a:p>
-          <a:p>
-            <a:pPr marL="0" indent="0">
-              <a:buNone/>
-            </a:pPr>
+              <a:t> </a:t>
+            </a:r>
             <a:r>
               <a:rPr lang="en-US" altLang="zh-TW" sz="2800" dirty="0" err="1" smtClean="0">
                 <a:latin typeface="Consolas" pitchFamily="49" charset="0"/>
                 <a:cs typeface="Consolas" pitchFamily="49" charset="0"/>
               </a:rPr>
-              <a:t>elif</a:t>
+              <a:t>ooxx</a:t>
             </a:r>
             <a:r>
               <a:rPr lang="en-US" altLang="zh-TW" sz="2800" dirty="0" smtClean="0">
                 <a:latin typeface="Consolas" pitchFamily="49" charset="0"/>
                 <a:cs typeface="Consolas" pitchFamily="49" charset="0"/>
               </a:rPr>
-              <a:t> </a:t>
-            </a:r>
-            <a:r>
-              <a:rPr lang="en-US" altLang="zh-TW" sz="2800" dirty="0" err="1" smtClean="0">
-                <a:latin typeface="Consolas" pitchFamily="49" charset="0"/>
-                <a:cs typeface="Consolas" pitchFamily="49" charset="0"/>
-              </a:rPr>
-              <a:t>ooxx</a:t>
-            </a:r>
-            <a:r>
-              <a:rPr lang="en-US" altLang="zh-TW" sz="2800" dirty="0" smtClean="0">
-                <a:latin typeface="Consolas" pitchFamily="49" charset="0"/>
-                <a:cs typeface="Consolas" pitchFamily="49" charset="0"/>
-              </a:rPr>
-              <a:t> == ‘124</a:t>
-            </a:r>
-            <a:r>
-              <a:rPr lang="en-US" altLang="zh-TW" sz="2800" dirty="0" smtClean="0">
-                <a:latin typeface="Consolas" pitchFamily="49" charset="0"/>
-                <a:cs typeface="Consolas" pitchFamily="49" charset="0"/>
-              </a:rPr>
-              <a:t>’:</a:t>
+              <a:t> == ‘124’:</a:t>
             </a:r>
           </a:p>
           <a:p>
@@ -6751,10 +6750,6 @@
               </a:rPr>
               <a:t>9</a:t>
             </a:r>
-            <a:endParaRPr lang="en-US" altLang="zh-TW" sz="2000" dirty="0">
-              <a:latin typeface="Consolas" pitchFamily="49" charset="0"/>
-              <a:cs typeface="Consolas" pitchFamily="49" charset="0"/>
-            </a:endParaRPr>
           </a:p>
           <a:p>
             <a:endParaRPr lang="en-US" altLang="zh-TW" dirty="0" smtClean="0">
@@ -6797,19 +6792,8 @@
                 <a:latin typeface="Consolas" pitchFamily="49" charset="0"/>
                 <a:cs typeface="Consolas" pitchFamily="49" charset="0"/>
               </a:rPr>
-              <a:t>I</a:t>
-            </a:r>
-            <a:r>
-              <a:rPr lang="en-US" altLang="zh-TW" sz="2000" dirty="0" smtClean="0">
-                <a:latin typeface="Consolas" pitchFamily="49" charset="0"/>
-                <a:cs typeface="Consolas" pitchFamily="49" charset="0"/>
-              </a:rPr>
-              <a:t>terate over all elements</a:t>
-            </a:r>
-            <a:endParaRPr lang="en-US" altLang="zh-TW" sz="2000" dirty="0" smtClean="0">
-              <a:latin typeface="Consolas" pitchFamily="49" charset="0"/>
-              <a:cs typeface="Consolas" pitchFamily="49" charset="0"/>
-            </a:endParaRPr>
+              <a:t>Iterate over all elements</a:t>
+            </a:r>
           </a:p>
           <a:p>
             <a:pPr lvl="1"/>
@@ -7141,14 +7125,6 @@
               </a:rPr>
               <a:t>//length of list</a:t>
             </a:r>
-            <a:endParaRPr lang="en-US" altLang="zh-TW" sz="2200" dirty="0" smtClean="0">
-              <a:solidFill>
-                <a:schemeClr val="bg1">
-                  <a:lumMod val="50000"/>
-                </a:schemeClr>
-              </a:solidFill>
-              <a:cs typeface="Consolas" pitchFamily="49" charset="0"/>
-            </a:endParaRPr>
           </a:p>
           <a:p>
             <a:endParaRPr lang="en-US" altLang="zh-TW" dirty="0" smtClean="0"/>
@@ -7329,14 +7305,7 @@
                 <a:latin typeface="Consolas" pitchFamily="49" charset="0"/>
                 <a:cs typeface="Consolas" pitchFamily="49" charset="0"/>
               </a:rPr>
-              <a:t>([333, 444</a:t>
-            </a:r>
-            <a:r>
-              <a:rPr lang="en-US" altLang="zh-TW" sz="2400" dirty="0" smtClean="0">
-                <a:latin typeface="Consolas" pitchFamily="49" charset="0"/>
-                <a:cs typeface="Consolas" pitchFamily="49" charset="0"/>
-              </a:rPr>
-              <a:t>])</a:t>
+              <a:t>([333, 444])</a:t>
             </a:r>
           </a:p>
           <a:p>
@@ -7415,14 +7384,7 @@
                 <a:latin typeface="Consolas" pitchFamily="49" charset="0"/>
                 <a:cs typeface="Consolas" pitchFamily="49" charset="0"/>
               </a:rPr>
-              <a:t>(333</a:t>
-            </a:r>
-            <a:r>
-              <a:rPr lang="en-US" altLang="zh-TW" sz="2800" dirty="0" smtClean="0">
-                <a:latin typeface="Consolas" pitchFamily="49" charset="0"/>
-                <a:cs typeface="Consolas" pitchFamily="49" charset="0"/>
-              </a:rPr>
-              <a:t>)</a:t>
+              <a:t>(333)</a:t>
             </a:r>
           </a:p>
           <a:p>
@@ -7462,27 +7424,20 @@
                 <a:latin typeface="Consolas" pitchFamily="49" charset="0"/>
                 <a:cs typeface="Consolas" pitchFamily="49" charset="0"/>
               </a:rPr>
-              <a:t> </a:t>
+              <a:t> t / </a:t>
+            </a:r>
+            <a:r>
+              <a:rPr lang="en-US" altLang="zh-TW" sz="2800" b="1" dirty="0" smtClean="0">
+                <a:latin typeface="Consolas" pitchFamily="49" charset="0"/>
+                <a:cs typeface="Consolas" pitchFamily="49" charset="0"/>
+              </a:rPr>
+              <a:t>not in </a:t>
             </a:r>
             <a:r>
               <a:rPr lang="en-US" altLang="zh-TW" sz="2800" dirty="0" smtClean="0">
                 <a:latin typeface="Consolas" pitchFamily="49" charset="0"/>
                 <a:cs typeface="Consolas" pitchFamily="49" charset="0"/>
               </a:rPr>
-              <a:t>t / </a:t>
-            </a:r>
-            <a:r>
-              <a:rPr lang="en-US" altLang="zh-TW" sz="2800" b="1" dirty="0" smtClean="0">
-                <a:latin typeface="Consolas" pitchFamily="49" charset="0"/>
-                <a:cs typeface="Consolas" pitchFamily="49" charset="0"/>
-              </a:rPr>
-              <a:t>not in </a:t>
-            </a:r>
-            <a:r>
-              <a:rPr lang="en-US" altLang="zh-TW" sz="2800" dirty="0" smtClean="0">
-                <a:latin typeface="Consolas" pitchFamily="49" charset="0"/>
-                <a:cs typeface="Consolas" pitchFamily="49" charset="0"/>
-              </a:rPr>
               <a:t>t</a:t>
             </a:r>
           </a:p>
@@ -7498,17 +7453,7 @@
                   </a:schemeClr>
                 </a:solidFill>
               </a:rPr>
-              <a:t>//chec</a:t>
-            </a:r>
-            <a:r>
-              <a:rPr lang="en-US" altLang="zh-TW" sz="2000" dirty="0" smtClean="0">
-                <a:solidFill>
-                  <a:schemeClr val="bg1">
-                    <a:lumMod val="50000"/>
-                  </a:schemeClr>
-                </a:solidFill>
-              </a:rPr>
-              <a:t>k existence of an element</a:t>
+              <a:t>//check existence of an element</a:t>
             </a:r>
             <a:endParaRPr lang="en-US" altLang="zh-TW" dirty="0" smtClean="0">
               <a:solidFill>
@@ -7722,14 +7667,7 @@
                 <a:latin typeface="Consolas" pitchFamily="49" charset="0"/>
                 <a:cs typeface="Consolas" pitchFamily="49" charset="0"/>
               </a:rPr>
-              <a:t>d[‘a’] = </a:t>
-            </a:r>
-            <a:r>
-              <a:rPr lang="en-US" altLang="zh-TW" dirty="0" smtClean="0">
-                <a:latin typeface="Consolas" pitchFamily="49" charset="0"/>
-                <a:cs typeface="Consolas" pitchFamily="49" charset="0"/>
-              </a:rPr>
-              <a:t>1</a:t>
+              <a:t>d[‘a’] = 1</a:t>
             </a:r>
           </a:p>
           <a:p>
@@ -7774,14 +7712,7 @@
                 <a:latin typeface="Consolas" pitchFamily="49" charset="0"/>
                 <a:cs typeface="Consolas" pitchFamily="49" charset="0"/>
               </a:rPr>
-              <a:t>(‘a</a:t>
-            </a:r>
-            <a:r>
-              <a:rPr lang="en-US" altLang="zh-TW" dirty="0" smtClean="0">
-                <a:latin typeface="Consolas" pitchFamily="49" charset="0"/>
-                <a:cs typeface="Consolas" pitchFamily="49" charset="0"/>
-              </a:rPr>
-              <a:t>’)</a:t>
+              <a:t>(‘a’)</a:t>
             </a:r>
           </a:p>
           <a:p>
@@ -7812,14 +7743,7 @@
                 <a:latin typeface="Consolas" pitchFamily="49" charset="0"/>
                 <a:cs typeface="Consolas" pitchFamily="49" charset="0"/>
               </a:rPr>
-              <a:t>del d[‘a</a:t>
-            </a:r>
-            <a:r>
-              <a:rPr lang="en-US" altLang="zh-TW" dirty="0" smtClean="0">
-                <a:latin typeface="Consolas" pitchFamily="49" charset="0"/>
-                <a:cs typeface="Consolas" pitchFamily="49" charset="0"/>
-              </a:rPr>
-              <a:t>’]</a:t>
+              <a:t>del d[‘a’]</a:t>
             </a:r>
           </a:p>
           <a:p>
@@ -8029,14 +7953,7 @@
                 <a:latin typeface="Consolas" pitchFamily="49" charset="0"/>
                 <a:cs typeface="Consolas" pitchFamily="49" charset="0"/>
               </a:rPr>
-              <a:t>(d</a:t>
-            </a:r>
-            <a:r>
-              <a:rPr lang="en-US" altLang="zh-TW" dirty="0" smtClean="0">
-                <a:latin typeface="Consolas" pitchFamily="49" charset="0"/>
-                <a:cs typeface="Consolas" pitchFamily="49" charset="0"/>
-              </a:rPr>
-              <a:t>)</a:t>
+              <a:t>(d)</a:t>
             </a:r>
           </a:p>
           <a:p>
@@ -8429,73 +8346,59 @@
                 <a:latin typeface="Consolas" pitchFamily="49" charset="0"/>
                 <a:cs typeface="Consolas" pitchFamily="49" charset="0"/>
               </a:rPr>
-              <a:t>s1 = set</a:t>
+              <a:t>s1 = set()</a:t>
+            </a:r>
+          </a:p>
+          <a:p>
+            <a:pPr marL="0" lvl="0" indent="0">
+              <a:buNone/>
+            </a:pPr>
+            <a:r>
+              <a:rPr lang="en-US" altLang="zh-TW" sz="1900" dirty="0">
+                <a:solidFill>
+                  <a:prstClr val="white">
+                    <a:lumMod val="65000"/>
+                  </a:prstClr>
+                </a:solidFill>
+              </a:rPr>
+              <a:t> </a:t>
+            </a:r>
+            <a:r>
+              <a:rPr lang="en-US" altLang="zh-TW" sz="1900" dirty="0">
+                <a:solidFill>
+                  <a:prstClr val="white">
+                    <a:lumMod val="50000"/>
+                  </a:prstClr>
+                </a:solidFill>
+              </a:rPr>
+              <a:t>//</a:t>
+            </a:r>
+            <a:r>
+              <a:rPr lang="en-US" altLang="zh-TW" sz="1900" dirty="0" smtClean="0">
+                <a:solidFill>
+                  <a:prstClr val="white">
+                    <a:lumMod val="50000"/>
+                  </a:prstClr>
+                </a:solidFill>
+              </a:rPr>
+              <a:t>initialization</a:t>
+            </a:r>
+            <a:endParaRPr lang="en-US" altLang="zh-TW" dirty="0" smtClean="0"/>
+          </a:p>
+          <a:p>
+            <a:r>
+              <a:rPr lang="en-US" altLang="zh-TW" dirty="0" err="1" smtClean="0">
+                <a:latin typeface="Consolas" pitchFamily="49" charset="0"/>
+                <a:cs typeface="Consolas" pitchFamily="49" charset="0"/>
+              </a:rPr>
+              <a:t>len</a:t>
             </a:r>
             <a:r>
               <a:rPr lang="en-US" altLang="zh-TW" dirty="0" smtClean="0">
                 <a:latin typeface="Consolas" pitchFamily="49" charset="0"/>
                 <a:cs typeface="Consolas" pitchFamily="49" charset="0"/>
               </a:rPr>
-              <a:t>()</a:t>
-            </a:r>
-          </a:p>
-          <a:p>
-            <a:pPr marL="0" lvl="0" indent="0">
-              <a:buNone/>
-            </a:pPr>
-            <a:r>
-              <a:rPr lang="en-US" altLang="zh-TW" sz="1900" dirty="0">
-                <a:solidFill>
-                  <a:prstClr val="white">
-                    <a:lumMod val="65000"/>
-                  </a:prstClr>
-                </a:solidFill>
-              </a:rPr>
-              <a:t> </a:t>
-            </a:r>
-            <a:r>
-              <a:rPr lang="en-US" altLang="zh-TW" sz="1900" dirty="0">
-                <a:solidFill>
-                  <a:prstClr val="white">
-                    <a:lumMod val="50000"/>
-                  </a:prstClr>
-                </a:solidFill>
-              </a:rPr>
-              <a:t>//</a:t>
-            </a:r>
-            <a:r>
-              <a:rPr lang="en-US" altLang="zh-TW" sz="1900" dirty="0" smtClean="0">
-                <a:solidFill>
-                  <a:prstClr val="white">
-                    <a:lumMod val="50000"/>
-                  </a:prstClr>
-                </a:solidFill>
-              </a:rPr>
-              <a:t>initialization</a:t>
-            </a:r>
-            <a:endParaRPr lang="en-US" altLang="zh-TW" dirty="0" smtClean="0"/>
-          </a:p>
-          <a:p>
-            <a:r>
-              <a:rPr lang="en-US" altLang="zh-TW" dirty="0" err="1" smtClean="0">
-                <a:latin typeface="Consolas" pitchFamily="49" charset="0"/>
-                <a:cs typeface="Consolas" pitchFamily="49" charset="0"/>
-              </a:rPr>
-              <a:t>len</a:t>
-            </a:r>
-            <a:r>
-              <a:rPr lang="en-US" altLang="zh-TW" dirty="0" smtClean="0">
-                <a:latin typeface="Consolas" pitchFamily="49" charset="0"/>
-                <a:cs typeface="Consolas" pitchFamily="49" charset="0"/>
-              </a:rPr>
-              <a:t>(s1</a:t>
-            </a:r>
-            <a:r>
-              <a:rPr lang="en-US" altLang="zh-TW" dirty="0" smtClean="0">
-                <a:latin typeface="Consolas" pitchFamily="49" charset="0"/>
-                <a:cs typeface="Consolas" pitchFamily="49" charset="0"/>
-              </a:rPr>
-              <a:t>)</a:t>
+              <a:t>(s1)</a:t>
             </a:r>
           </a:p>
           <a:p>
@@ -8635,8 +8538,8 @@
           </a:p>
         </p:txBody>
       </p:sp>
-      <mc:AlternateContent xmlns:mc="http://schemas.openxmlformats.org/markup-compatibility/2006">
-        <mc:Choice xmlns:a14="http://schemas.microsoft.com/office/drawing/2010/main" Requires="a14">
+      <mc:AlternateContent xmlns:mc="http://schemas.openxmlformats.org/markup-compatibility/2006" xmlns:a14="http://schemas.microsoft.com/office/drawing/2010/main">
+        <mc:Choice Requires="a14">
           <p:sp>
             <p:nvSpPr>
               <p:cNvPr id="4" name="內容版面配置區 2"/>
@@ -9043,7 +8946,7 @@
             </p:txBody>
           </p:sp>
         </mc:Choice>
-        <mc:Fallback>
+        <mc:Fallback xmlns="">
           <p:sp>
             <p:nvSpPr>
               <p:cNvPr id="4" name="內容版面配置區 2"/>
